--- a/Precise Positioning and Scanning for Microwave Imaging.pptx
+++ b/Precise Positioning and Scanning for Microwave Imaging.pptx
@@ -5,10 +5,10 @@
     <p:sldMasterId id="2147483648" r:id="rId1"/>
   </p:sldMasterIdLst>
   <p:notesMasterIdLst>
-    <p:notesMasterId r:id="rId17"/>
+    <p:notesMasterId r:id="rId22"/>
   </p:notesMasterIdLst>
   <p:handoutMasterIdLst>
-    <p:handoutMasterId r:id="rId18"/>
+    <p:handoutMasterId r:id="rId23"/>
   </p:handoutMasterIdLst>
   <p:sldIdLst>
     <p:sldId id="256" r:id="rId2"/>
@@ -26,6 +26,11 @@
     <p:sldId id="267" r:id="rId14"/>
     <p:sldId id="269" r:id="rId15"/>
     <p:sldId id="270" r:id="rId16"/>
+    <p:sldId id="271" r:id="rId17"/>
+    <p:sldId id="272" r:id="rId18"/>
+    <p:sldId id="275" r:id="rId19"/>
+    <p:sldId id="273" r:id="rId20"/>
+    <p:sldId id="274" r:id="rId21"/>
   </p:sldIdLst>
   <p:sldSz cx="12192000" cy="6858000"/>
   <p:notesSz cx="6858000" cy="9144000"/>
@@ -144,6 +149,11 @@
             <p14:sldId id="267"/>
             <p14:sldId id="269"/>
             <p14:sldId id="270"/>
+            <p14:sldId id="271"/>
+            <p14:sldId id="272"/>
+            <p14:sldId id="275"/>
+            <p14:sldId id="273"/>
+            <p14:sldId id="274"/>
           </p14:sldIdLst>
         </p14:section>
       </p14:sectionLst>
@@ -845,7 +855,7 @@
           <a:p>
             <a:fld id="{5785ABCD-7C7B-4099-9731-0EDC268D96DE}" type="datetime8">
               <a:rPr lang="en-SE" smtClean="0"/>
-              <a:t>2022-12-07 12:02</a:t>
+              <a:t>2022-12-07 13:46</a:t>
             </a:fld>
             <a:endParaRPr lang="en-SE"/>
           </a:p>
@@ -1045,7 +1055,7 @@
           <a:p>
             <a:fld id="{53296F4E-E5DF-42B1-B8D9-2ABB22EC772C}" type="datetime8">
               <a:rPr lang="en-SE" smtClean="0"/>
-              <a:t>2022-12-07 12:02</a:t>
+              <a:t>2022-12-07 13:46</a:t>
             </a:fld>
             <a:endParaRPr lang="en-SE"/>
           </a:p>
@@ -1255,7 +1265,7 @@
           <a:p>
             <a:fld id="{C5874F66-CA25-47B2-9FC6-2BD39CC5F49A}" type="datetime8">
               <a:rPr lang="en-SE" smtClean="0"/>
-              <a:t>2022-12-07 12:02</a:t>
+              <a:t>2022-12-07 13:46</a:t>
             </a:fld>
             <a:endParaRPr lang="en-SE"/>
           </a:p>
@@ -1455,7 +1465,7 @@
           <a:p>
             <a:fld id="{EB5CF308-B19A-4331-A324-D479807E6DD4}" type="datetime8">
               <a:rPr lang="en-SE" smtClean="0"/>
-              <a:t>2022-12-07 12:02</a:t>
+              <a:t>2022-12-07 13:46</a:t>
             </a:fld>
             <a:endParaRPr lang="en-SE"/>
           </a:p>
@@ -1731,7 +1741,7 @@
           <a:p>
             <a:fld id="{06B0D6B3-DCD6-4A29-9991-0B0BADAC9DB5}" type="datetime8">
               <a:rPr lang="en-SE" smtClean="0"/>
-              <a:t>2022-12-07 12:02</a:t>
+              <a:t>2022-12-07 13:46</a:t>
             </a:fld>
             <a:endParaRPr lang="en-SE"/>
           </a:p>
@@ -1999,7 +2009,7 @@
           <a:p>
             <a:fld id="{CFEF5C23-B410-4BC4-92D6-C274BA31775A}" type="datetime8">
               <a:rPr lang="en-SE" smtClean="0"/>
-              <a:t>2022-12-07 12:02</a:t>
+              <a:t>2022-12-07 13:46</a:t>
             </a:fld>
             <a:endParaRPr lang="en-SE"/>
           </a:p>
@@ -2414,7 +2424,7 @@
           <a:p>
             <a:fld id="{B73C25E7-90CF-4631-9F8D-D8B9FDF980FA}" type="datetime8">
               <a:rPr lang="en-SE" smtClean="0"/>
-              <a:t>2022-12-07 12:02</a:t>
+              <a:t>2022-12-07 13:46</a:t>
             </a:fld>
             <a:endParaRPr lang="en-SE"/>
           </a:p>
@@ -2556,7 +2566,7 @@
           <a:p>
             <a:fld id="{CE8B7CBA-0EA8-4339-80D9-9348F7953AB3}" type="datetime8">
               <a:rPr lang="en-SE" smtClean="0"/>
-              <a:t>2022-12-07 12:02</a:t>
+              <a:t>2022-12-07 13:46</a:t>
             </a:fld>
             <a:endParaRPr lang="en-SE"/>
           </a:p>
@@ -2669,7 +2679,7 @@
           <a:p>
             <a:fld id="{DCED875E-B8F6-4B73-A075-12358B7B8F6F}" type="datetime8">
               <a:rPr lang="en-SE" smtClean="0"/>
-              <a:t>2022-12-07 12:02</a:t>
+              <a:t>2022-12-07 13:46</a:t>
             </a:fld>
             <a:endParaRPr lang="en-SE"/>
           </a:p>
@@ -2982,7 +2992,7 @@
           <a:p>
             <a:fld id="{32326FA4-D1D0-4C66-8A72-2405DCF288E2}" type="datetime8">
               <a:rPr lang="en-SE" smtClean="0"/>
-              <a:t>2022-12-07 12:02</a:t>
+              <a:t>2022-12-07 13:46</a:t>
             </a:fld>
             <a:endParaRPr lang="en-SE"/>
           </a:p>
@@ -3271,7 +3281,7 @@
           <a:p>
             <a:fld id="{294F4506-AC4C-4F33-BA91-8C62A291096C}" type="datetime8">
               <a:rPr lang="en-SE" smtClean="0"/>
-              <a:t>2022-12-07 12:02</a:t>
+              <a:t>2022-12-07 13:46</a:t>
             </a:fld>
             <a:endParaRPr lang="en-SE"/>
           </a:p>
@@ -3514,7 +3524,7 @@
           <a:p>
             <a:fld id="{9384FAA5-DECA-4FE9-9E6E-C89DA36DE384}" type="datetime8">
               <a:rPr lang="en-SE" smtClean="0"/>
-              <a:t>2022-12-07 12:02</a:t>
+              <a:t>2022-12-07 13:46</a:t>
             </a:fld>
             <a:endParaRPr lang="en-SE"/>
           </a:p>
@@ -4620,7 +4630,7 @@
           <p:cNvPr id="2" name="Title 1">
             <a:extLst>
               <a:ext uri="{FF2B5EF4-FFF2-40B4-BE49-F238E27FC236}">
-                <a16:creationId xmlns:a16="http://schemas.microsoft.com/office/drawing/2014/main" id="{441FCB0D-9B56-7719-B5BC-063810BD946C}"/>
+                <a16:creationId xmlns:a16="http://schemas.microsoft.com/office/drawing/2014/main" id="{DD50DFBA-FE3E-A797-D6D9-E1C196AC7FAE}"/>
               </a:ext>
             </a:extLst>
           </p:cNvPr>
@@ -4638,7 +4648,7 @@
           <a:p>
             <a:r>
               <a:rPr lang="en-US" dirty="0"/>
-              <a:t>How it works ( software ) …</a:t>
+              <a:t>How to scan and reconstruct a surface</a:t>
             </a:r>
             <a:endParaRPr lang="en-SE" dirty="0"/>
           </a:p>
@@ -4649,7 +4659,7 @@
           <p:cNvPr id="3" name="Content Placeholder 2">
             <a:extLst>
               <a:ext uri="{FF2B5EF4-FFF2-40B4-BE49-F238E27FC236}">
-                <a16:creationId xmlns:a16="http://schemas.microsoft.com/office/drawing/2014/main" id="{2CEC612A-2E6A-8F6C-ED6E-0997D15DC43A}"/>
+                <a16:creationId xmlns:a16="http://schemas.microsoft.com/office/drawing/2014/main" id="{30F37D2A-CFF3-2471-8884-C2FD3F6895E0}"/>
               </a:ext>
             </a:extLst>
           </p:cNvPr>
@@ -4665,7 +4675,44 @@
           <a:bodyPr/>
           <a:lstStyle/>
           <a:p>
-            <a:endParaRPr lang="en-SE"/>
+            <a:r>
+              <a:rPr lang="en-US" dirty="0"/>
+              <a:t>Choice of the Scanning device and scanning algorithms </a:t>
+            </a:r>
+          </a:p>
+          <a:p>
+            <a:r>
+              <a:rPr lang="en-US" dirty="0"/>
+              <a:t>Surface </a:t>
+            </a:r>
+            <a:r>
+              <a:rPr lang="en-US" dirty="0" err="1"/>
+              <a:t>preknowledge</a:t>
+            </a:r>
+            <a:r>
+              <a:rPr lang="en-US" dirty="0"/>
+              <a:t> </a:t>
+            </a:r>
+          </a:p>
+          <a:p>
+            <a:pPr lvl="1"/>
+            <a:r>
+              <a:rPr lang="en-US" dirty="0"/>
+              <a:t>Smooth </a:t>
+            </a:r>
+          </a:p>
+          <a:p>
+            <a:pPr lvl="1"/>
+            <a:r>
+              <a:rPr lang="en-US" dirty="0"/>
+              <a:t>Convex  </a:t>
+            </a:r>
+          </a:p>
+          <a:p>
+            <a:endParaRPr lang="en-US" dirty="0"/>
+          </a:p>
+          <a:p>
+            <a:endParaRPr lang="en-SE" dirty="0"/>
           </a:p>
         </p:txBody>
       </p:sp>
@@ -4674,7 +4721,7 @@
           <p:cNvPr id="4" name="Slide Number Placeholder 3">
             <a:extLst>
               <a:ext uri="{FF2B5EF4-FFF2-40B4-BE49-F238E27FC236}">
-                <a16:creationId xmlns:a16="http://schemas.microsoft.com/office/drawing/2014/main" id="{D3406DDA-A417-0257-9A12-BBC9E3198F01}"/>
+                <a16:creationId xmlns:a16="http://schemas.microsoft.com/office/drawing/2014/main" id="{AAB9A715-CBE0-8FBF-3485-48A9C3A52A22}"/>
               </a:ext>
             </a:extLst>
           </p:cNvPr>
@@ -4701,7 +4748,597 @@
     </p:spTree>
     <p:extLst>
       <p:ext uri="{BB962C8B-B14F-4D97-AF65-F5344CB8AC3E}">
-        <p14:creationId xmlns:p14="http://schemas.microsoft.com/office/powerpoint/2010/main" val="4016370048"/>
+        <p14:creationId xmlns:p14="http://schemas.microsoft.com/office/powerpoint/2010/main" val="2798356112"/>
+      </p:ext>
+    </p:extLst>
+  </p:cSld>
+  <p:clrMapOvr>
+    <a:masterClrMapping/>
+  </p:clrMapOvr>
+</p:sld>
+</file>
+
+<file path=ppt/slides/slide16.xml><?xml version="1.0" encoding="utf-8"?>
+<p:sld xmlns:a="http://schemas.openxmlformats.org/drawingml/2006/main" xmlns:r="http://schemas.openxmlformats.org/officeDocument/2006/relationships" xmlns:p="http://schemas.openxmlformats.org/presentationml/2006/main">
+  <p:cSld>
+    <p:spTree>
+      <p:nvGrpSpPr>
+        <p:cNvPr id="1" name=""/>
+        <p:cNvGrpSpPr/>
+        <p:nvPr/>
+      </p:nvGrpSpPr>
+      <p:grpSpPr>
+        <a:xfrm>
+          <a:off x="0" y="0"/>
+          <a:ext cx="0" cy="0"/>
+          <a:chOff x="0" y="0"/>
+          <a:chExt cx="0" cy="0"/>
+        </a:xfrm>
+      </p:grpSpPr>
+      <p:sp>
+        <p:nvSpPr>
+          <p:cNvPr id="2" name="Title 1">
+            <a:extLst>
+              <a:ext uri="{FF2B5EF4-FFF2-40B4-BE49-F238E27FC236}">
+                <a16:creationId xmlns:a16="http://schemas.microsoft.com/office/drawing/2014/main" id="{DD50DFBA-FE3E-A797-D6D9-E1C196AC7FAE}"/>
+              </a:ext>
+            </a:extLst>
+          </p:cNvPr>
+          <p:cNvSpPr>
+            <a:spLocks noGrp="1"/>
+          </p:cNvSpPr>
+          <p:nvPr>
+            <p:ph type="title"/>
+          </p:nvPr>
+        </p:nvSpPr>
+        <p:spPr/>
+        <p:txBody>
+          <a:bodyPr/>
+          <a:lstStyle/>
+          <a:p>
+            <a:r>
+              <a:rPr lang="en-US" dirty="0"/>
+              <a:t>How to scan and reconstruct a surface</a:t>
+            </a:r>
+            <a:endParaRPr lang="en-SE" dirty="0"/>
+          </a:p>
+        </p:txBody>
+      </p:sp>
+      <p:sp>
+        <p:nvSpPr>
+          <p:cNvPr id="3" name="Content Placeholder 2">
+            <a:extLst>
+              <a:ext uri="{FF2B5EF4-FFF2-40B4-BE49-F238E27FC236}">
+                <a16:creationId xmlns:a16="http://schemas.microsoft.com/office/drawing/2014/main" id="{30F37D2A-CFF3-2471-8884-C2FD3F6895E0}"/>
+              </a:ext>
+            </a:extLst>
+          </p:cNvPr>
+          <p:cNvSpPr>
+            <a:spLocks noGrp="1"/>
+          </p:cNvSpPr>
+          <p:nvPr>
+            <p:ph idx="1"/>
+          </p:nvPr>
+        </p:nvSpPr>
+        <p:spPr/>
+        <p:txBody>
+          <a:bodyPr/>
+          <a:lstStyle/>
+          <a:p>
+            <a:r>
+              <a:rPr lang="en-US" dirty="0"/>
+              <a:t>Reconstruction algorithms</a:t>
+            </a:r>
+          </a:p>
+          <a:p>
+            <a:pPr lvl="1"/>
+            <a:r>
+              <a:rPr lang="en-US" dirty="0"/>
+              <a:t>Power crust </a:t>
+            </a:r>
+          </a:p>
+          <a:p>
+            <a:pPr lvl="1"/>
+            <a:r>
+              <a:rPr lang="en-US" dirty="0"/>
+              <a:t>Alfa shape</a:t>
+            </a:r>
+          </a:p>
+          <a:p>
+            <a:r>
+              <a:rPr lang="en-US" dirty="0"/>
+              <a:t>Algorithm requirements  </a:t>
+            </a:r>
+          </a:p>
+          <a:p>
+            <a:pPr lvl="1"/>
+            <a:r>
+              <a:rPr lang="en-US" dirty="0"/>
+              <a:t>Points density </a:t>
+            </a:r>
+          </a:p>
+          <a:p>
+            <a:endParaRPr lang="en-SE" dirty="0"/>
+          </a:p>
+        </p:txBody>
+      </p:sp>
+      <p:sp>
+        <p:nvSpPr>
+          <p:cNvPr id="4" name="Slide Number Placeholder 3">
+            <a:extLst>
+              <a:ext uri="{FF2B5EF4-FFF2-40B4-BE49-F238E27FC236}">
+                <a16:creationId xmlns:a16="http://schemas.microsoft.com/office/drawing/2014/main" id="{AAB9A715-CBE0-8FBF-3485-48A9C3A52A22}"/>
+              </a:ext>
+            </a:extLst>
+          </p:cNvPr>
+          <p:cNvSpPr>
+            <a:spLocks noGrp="1"/>
+          </p:cNvSpPr>
+          <p:nvPr>
+            <p:ph type="sldNum" sz="quarter" idx="12"/>
+          </p:nvPr>
+        </p:nvSpPr>
+        <p:spPr/>
+        <p:txBody>
+          <a:bodyPr/>
+          <a:lstStyle/>
+          <a:p>
+            <a:fld id="{14EA45DC-CC6D-4F3F-A5B2-A9A95BBB136F}" type="slidenum">
+              <a:rPr lang="en-SE" smtClean="0"/>
+              <a:t>16</a:t>
+            </a:fld>
+            <a:endParaRPr lang="en-SE"/>
+          </a:p>
+        </p:txBody>
+      </p:sp>
+    </p:spTree>
+    <p:extLst>
+      <p:ext uri="{BB962C8B-B14F-4D97-AF65-F5344CB8AC3E}">
+        <p14:creationId xmlns:p14="http://schemas.microsoft.com/office/powerpoint/2010/main" val="2824826698"/>
+      </p:ext>
+    </p:extLst>
+  </p:cSld>
+  <p:clrMapOvr>
+    <a:masterClrMapping/>
+  </p:clrMapOvr>
+</p:sld>
+</file>
+
+<file path=ppt/slides/slide17.xml><?xml version="1.0" encoding="utf-8"?>
+<p:sld xmlns:a="http://schemas.openxmlformats.org/drawingml/2006/main" xmlns:r="http://schemas.openxmlformats.org/officeDocument/2006/relationships" xmlns:p="http://schemas.openxmlformats.org/presentationml/2006/main">
+  <p:cSld>
+    <p:spTree>
+      <p:nvGrpSpPr>
+        <p:cNvPr id="1" name=""/>
+        <p:cNvGrpSpPr/>
+        <p:nvPr/>
+      </p:nvGrpSpPr>
+      <p:grpSpPr>
+        <a:xfrm>
+          <a:off x="0" y="0"/>
+          <a:ext cx="0" cy="0"/>
+          <a:chOff x="0" y="0"/>
+          <a:chExt cx="0" cy="0"/>
+        </a:xfrm>
+      </p:grpSpPr>
+      <p:sp>
+        <p:nvSpPr>
+          <p:cNvPr id="2" name="Title 1">
+            <a:extLst>
+              <a:ext uri="{FF2B5EF4-FFF2-40B4-BE49-F238E27FC236}">
+                <a16:creationId xmlns:a16="http://schemas.microsoft.com/office/drawing/2014/main" id="{DD50DFBA-FE3E-A797-D6D9-E1C196AC7FAE}"/>
+              </a:ext>
+            </a:extLst>
+          </p:cNvPr>
+          <p:cNvSpPr>
+            <a:spLocks noGrp="1"/>
+          </p:cNvSpPr>
+          <p:nvPr>
+            <p:ph type="title"/>
+          </p:nvPr>
+        </p:nvSpPr>
+        <p:spPr/>
+        <p:txBody>
+          <a:bodyPr/>
+          <a:lstStyle/>
+          <a:p>
+            <a:r>
+              <a:rPr lang="en-US" dirty="0"/>
+              <a:t>How to scan and reconstruct a surface</a:t>
+            </a:r>
+            <a:endParaRPr lang="en-SE" dirty="0"/>
+          </a:p>
+        </p:txBody>
+      </p:sp>
+      <p:sp>
+        <p:nvSpPr>
+          <p:cNvPr id="3" name="Content Placeholder 2">
+            <a:extLst>
+              <a:ext uri="{FF2B5EF4-FFF2-40B4-BE49-F238E27FC236}">
+                <a16:creationId xmlns:a16="http://schemas.microsoft.com/office/drawing/2014/main" id="{30F37D2A-CFF3-2471-8884-C2FD3F6895E0}"/>
+              </a:ext>
+            </a:extLst>
+          </p:cNvPr>
+          <p:cNvSpPr>
+            <a:spLocks noGrp="1"/>
+          </p:cNvSpPr>
+          <p:nvPr>
+            <p:ph idx="1"/>
+          </p:nvPr>
+        </p:nvSpPr>
+        <p:spPr/>
+        <p:txBody>
+          <a:bodyPr/>
+          <a:lstStyle/>
+          <a:p>
+            <a:r>
+              <a:rPr lang="en-US" dirty="0"/>
+              <a:t>Data and noise</a:t>
+            </a:r>
+          </a:p>
+          <a:p>
+            <a:r>
+              <a:rPr lang="en-US" dirty="0"/>
+              <a:t>Noise source </a:t>
+            </a:r>
+          </a:p>
+          <a:p>
+            <a:pPr lvl="1"/>
+            <a:r>
+              <a:rPr lang="en-US" dirty="0"/>
+              <a:t>Outliers from env</a:t>
+            </a:r>
+          </a:p>
+          <a:p>
+            <a:pPr lvl="1"/>
+            <a:r>
+              <a:rPr lang="en-US" dirty="0"/>
+              <a:t>Yumi position </a:t>
+            </a:r>
+          </a:p>
+          <a:p>
+            <a:pPr lvl="1"/>
+            <a:r>
+              <a:rPr lang="en-US" dirty="0"/>
+              <a:t>Laser angle/ range optimal </a:t>
+            </a:r>
+          </a:p>
+          <a:p>
+            <a:pPr lvl="1"/>
+            <a:r>
+              <a:rPr lang="en-US" dirty="0"/>
+              <a:t>3D printing</a:t>
+            </a:r>
+          </a:p>
+          <a:p>
+            <a:pPr lvl="1"/>
+            <a:r>
+              <a:rPr lang="en-US" dirty="0"/>
+              <a:t> Scanning interpolation </a:t>
+            </a:r>
+          </a:p>
+          <a:p>
+            <a:pPr lvl="1"/>
+            <a:r>
+              <a:rPr lang="en-US" dirty="0"/>
+              <a:t>Surface reconstruction  </a:t>
+            </a:r>
+          </a:p>
+          <a:p>
+            <a:endParaRPr lang="en-US" dirty="0"/>
+          </a:p>
+          <a:p>
+            <a:endParaRPr lang="en-SE" dirty="0"/>
+          </a:p>
+        </p:txBody>
+      </p:sp>
+      <p:sp>
+        <p:nvSpPr>
+          <p:cNvPr id="4" name="Slide Number Placeholder 3">
+            <a:extLst>
+              <a:ext uri="{FF2B5EF4-FFF2-40B4-BE49-F238E27FC236}">
+                <a16:creationId xmlns:a16="http://schemas.microsoft.com/office/drawing/2014/main" id="{AAB9A715-CBE0-8FBF-3485-48A9C3A52A22}"/>
+              </a:ext>
+            </a:extLst>
+          </p:cNvPr>
+          <p:cNvSpPr>
+            <a:spLocks noGrp="1"/>
+          </p:cNvSpPr>
+          <p:nvPr>
+            <p:ph type="sldNum" sz="quarter" idx="12"/>
+          </p:nvPr>
+        </p:nvSpPr>
+        <p:spPr/>
+        <p:txBody>
+          <a:bodyPr/>
+          <a:lstStyle/>
+          <a:p>
+            <a:fld id="{14EA45DC-CC6D-4F3F-A5B2-A9A95BBB136F}" type="slidenum">
+              <a:rPr lang="en-SE" smtClean="0"/>
+              <a:t>17</a:t>
+            </a:fld>
+            <a:endParaRPr lang="en-SE"/>
+          </a:p>
+        </p:txBody>
+      </p:sp>
+    </p:spTree>
+    <p:extLst>
+      <p:ext uri="{BB962C8B-B14F-4D97-AF65-F5344CB8AC3E}">
+        <p14:creationId xmlns:p14="http://schemas.microsoft.com/office/powerpoint/2010/main" val="4291847688"/>
+      </p:ext>
+    </p:extLst>
+  </p:cSld>
+  <p:clrMapOvr>
+    <a:masterClrMapping/>
+  </p:clrMapOvr>
+</p:sld>
+</file>
+
+<file path=ppt/slides/slide18.xml><?xml version="1.0" encoding="utf-8"?>
+<p:sld xmlns:a="http://schemas.openxmlformats.org/drawingml/2006/main" xmlns:r="http://schemas.openxmlformats.org/officeDocument/2006/relationships" xmlns:p="http://schemas.openxmlformats.org/presentationml/2006/main">
+  <p:cSld>
+    <p:spTree>
+      <p:nvGrpSpPr>
+        <p:cNvPr id="1" name=""/>
+        <p:cNvGrpSpPr/>
+        <p:nvPr/>
+      </p:nvGrpSpPr>
+      <p:grpSpPr>
+        <a:xfrm>
+          <a:off x="0" y="0"/>
+          <a:ext cx="0" cy="0"/>
+          <a:chOff x="0" y="0"/>
+          <a:chExt cx="0" cy="0"/>
+        </a:xfrm>
+      </p:grpSpPr>
+      <p:sp>
+        <p:nvSpPr>
+          <p:cNvPr id="2" name="Title 1">
+            <a:extLst>
+              <a:ext uri="{FF2B5EF4-FFF2-40B4-BE49-F238E27FC236}">
+                <a16:creationId xmlns:a16="http://schemas.microsoft.com/office/drawing/2014/main" id="{DD50DFBA-FE3E-A797-D6D9-E1C196AC7FAE}"/>
+              </a:ext>
+            </a:extLst>
+          </p:cNvPr>
+          <p:cNvSpPr>
+            <a:spLocks noGrp="1"/>
+          </p:cNvSpPr>
+          <p:nvPr>
+            <p:ph type="title"/>
+          </p:nvPr>
+        </p:nvSpPr>
+        <p:spPr/>
+        <p:txBody>
+          <a:bodyPr/>
+          <a:lstStyle/>
+          <a:p>
+            <a:r>
+              <a:rPr lang="en-US" dirty="0"/>
+              <a:t>How to scan and reconstruct a surface</a:t>
+            </a:r>
+            <a:endParaRPr lang="en-SE" dirty="0"/>
+          </a:p>
+        </p:txBody>
+      </p:sp>
+      <p:sp>
+        <p:nvSpPr>
+          <p:cNvPr id="3" name="Content Placeholder 2">
+            <a:extLst>
+              <a:ext uri="{FF2B5EF4-FFF2-40B4-BE49-F238E27FC236}">
+                <a16:creationId xmlns:a16="http://schemas.microsoft.com/office/drawing/2014/main" id="{30F37D2A-CFF3-2471-8884-C2FD3F6895E0}"/>
+              </a:ext>
+            </a:extLst>
+          </p:cNvPr>
+          <p:cNvSpPr>
+            <a:spLocks noGrp="1"/>
+          </p:cNvSpPr>
+          <p:nvPr>
+            <p:ph idx="1"/>
+          </p:nvPr>
+        </p:nvSpPr>
+        <p:spPr/>
+        <p:txBody>
+          <a:bodyPr/>
+          <a:lstStyle/>
+          <a:p>
+            <a:r>
+              <a:rPr lang="en-US" dirty="0"/>
+              <a:t>Scanning protocol approach </a:t>
+            </a:r>
+          </a:p>
+          <a:p>
+            <a:r>
+              <a:rPr lang="en-US" dirty="0"/>
+              <a:t>Scanning time  </a:t>
+            </a:r>
+          </a:p>
+          <a:p>
+            <a:endParaRPr lang="en-US" dirty="0"/>
+          </a:p>
+          <a:p>
+            <a:endParaRPr lang="en-SE" dirty="0"/>
+          </a:p>
+        </p:txBody>
+      </p:sp>
+      <p:sp>
+        <p:nvSpPr>
+          <p:cNvPr id="4" name="Slide Number Placeholder 3">
+            <a:extLst>
+              <a:ext uri="{FF2B5EF4-FFF2-40B4-BE49-F238E27FC236}">
+                <a16:creationId xmlns:a16="http://schemas.microsoft.com/office/drawing/2014/main" id="{AAB9A715-CBE0-8FBF-3485-48A9C3A52A22}"/>
+              </a:ext>
+            </a:extLst>
+          </p:cNvPr>
+          <p:cNvSpPr>
+            <a:spLocks noGrp="1"/>
+          </p:cNvSpPr>
+          <p:nvPr>
+            <p:ph type="sldNum" sz="quarter" idx="12"/>
+          </p:nvPr>
+        </p:nvSpPr>
+        <p:spPr/>
+        <p:txBody>
+          <a:bodyPr/>
+          <a:lstStyle/>
+          <a:p>
+            <a:fld id="{14EA45DC-CC6D-4F3F-A5B2-A9A95BBB136F}" type="slidenum">
+              <a:rPr lang="en-SE" smtClean="0"/>
+              <a:t>18</a:t>
+            </a:fld>
+            <a:endParaRPr lang="en-SE"/>
+          </a:p>
+        </p:txBody>
+      </p:sp>
+    </p:spTree>
+    <p:extLst>
+      <p:ext uri="{BB962C8B-B14F-4D97-AF65-F5344CB8AC3E}">
+        <p14:creationId xmlns:p14="http://schemas.microsoft.com/office/powerpoint/2010/main" val="2223764243"/>
+      </p:ext>
+    </p:extLst>
+  </p:cSld>
+  <p:clrMapOvr>
+    <a:masterClrMapping/>
+  </p:clrMapOvr>
+</p:sld>
+</file>
+
+<file path=ppt/slides/slide19.xml><?xml version="1.0" encoding="utf-8"?>
+<p:sld xmlns:a="http://schemas.openxmlformats.org/drawingml/2006/main" xmlns:r="http://schemas.openxmlformats.org/officeDocument/2006/relationships" xmlns:p="http://schemas.openxmlformats.org/presentationml/2006/main">
+  <p:cSld>
+    <p:spTree>
+      <p:nvGrpSpPr>
+        <p:cNvPr id="1" name=""/>
+        <p:cNvGrpSpPr/>
+        <p:nvPr/>
+      </p:nvGrpSpPr>
+      <p:grpSpPr>
+        <a:xfrm>
+          <a:off x="0" y="0"/>
+          <a:ext cx="0" cy="0"/>
+          <a:chOff x="0" y="0"/>
+          <a:chExt cx="0" cy="0"/>
+        </a:xfrm>
+      </p:grpSpPr>
+      <p:sp>
+        <p:nvSpPr>
+          <p:cNvPr id="2" name="Title 1">
+            <a:extLst>
+              <a:ext uri="{FF2B5EF4-FFF2-40B4-BE49-F238E27FC236}">
+                <a16:creationId xmlns:a16="http://schemas.microsoft.com/office/drawing/2014/main" id="{DD50DFBA-FE3E-A797-D6D9-E1C196AC7FAE}"/>
+              </a:ext>
+            </a:extLst>
+          </p:cNvPr>
+          <p:cNvSpPr>
+            <a:spLocks noGrp="1"/>
+          </p:cNvSpPr>
+          <p:nvPr>
+            <p:ph type="title"/>
+          </p:nvPr>
+        </p:nvSpPr>
+        <p:spPr/>
+        <p:txBody>
+          <a:bodyPr/>
+          <a:lstStyle/>
+          <a:p>
+            <a:r>
+              <a:rPr lang="en-US" dirty="0"/>
+              <a:t>Results </a:t>
+            </a:r>
+            <a:endParaRPr lang="en-SE" dirty="0"/>
+          </a:p>
+        </p:txBody>
+      </p:sp>
+      <p:sp>
+        <p:nvSpPr>
+          <p:cNvPr id="3" name="Content Placeholder 2">
+            <a:extLst>
+              <a:ext uri="{FF2B5EF4-FFF2-40B4-BE49-F238E27FC236}">
+                <a16:creationId xmlns:a16="http://schemas.microsoft.com/office/drawing/2014/main" id="{30F37D2A-CFF3-2471-8884-C2FD3F6895E0}"/>
+              </a:ext>
+            </a:extLst>
+          </p:cNvPr>
+          <p:cNvSpPr>
+            <a:spLocks noGrp="1"/>
+          </p:cNvSpPr>
+          <p:nvPr>
+            <p:ph idx="1"/>
+          </p:nvPr>
+        </p:nvSpPr>
+        <p:spPr/>
+        <p:txBody>
+          <a:bodyPr/>
+          <a:lstStyle/>
+          <a:p>
+            <a:r>
+              <a:rPr lang="en-US" dirty="0"/>
+              <a:t> End-effector </a:t>
+            </a:r>
+          </a:p>
+          <a:p>
+            <a:r>
+              <a:rPr lang="en-US" dirty="0"/>
+              <a:t>Laser </a:t>
+            </a:r>
+          </a:p>
+          <a:p>
+            <a:r>
+              <a:rPr lang="en-US" dirty="0"/>
+              <a:t>Yumi</a:t>
+            </a:r>
+          </a:p>
+          <a:p>
+            <a:r>
+              <a:rPr lang="en-US" dirty="0"/>
+              <a:t>Scanning protocol </a:t>
+            </a:r>
+          </a:p>
+          <a:p>
+            <a:r>
+              <a:rPr lang="en-US" dirty="0"/>
+              <a:t>Surface Reconstruction </a:t>
+            </a:r>
+          </a:p>
+          <a:p>
+            <a:endParaRPr lang="en-US" dirty="0"/>
+          </a:p>
+          <a:p>
+            <a:endParaRPr lang="en-SE" dirty="0"/>
+          </a:p>
+        </p:txBody>
+      </p:sp>
+      <p:sp>
+        <p:nvSpPr>
+          <p:cNvPr id="4" name="Slide Number Placeholder 3">
+            <a:extLst>
+              <a:ext uri="{FF2B5EF4-FFF2-40B4-BE49-F238E27FC236}">
+                <a16:creationId xmlns:a16="http://schemas.microsoft.com/office/drawing/2014/main" id="{AAB9A715-CBE0-8FBF-3485-48A9C3A52A22}"/>
+              </a:ext>
+            </a:extLst>
+          </p:cNvPr>
+          <p:cNvSpPr>
+            <a:spLocks noGrp="1"/>
+          </p:cNvSpPr>
+          <p:nvPr>
+            <p:ph type="sldNum" sz="quarter" idx="12"/>
+          </p:nvPr>
+        </p:nvSpPr>
+        <p:spPr/>
+        <p:txBody>
+          <a:bodyPr/>
+          <a:lstStyle/>
+          <a:p>
+            <a:fld id="{14EA45DC-CC6D-4F3F-A5B2-A9A95BBB136F}" type="slidenum">
+              <a:rPr lang="en-SE" smtClean="0"/>
+              <a:t>19</a:t>
+            </a:fld>
+            <a:endParaRPr lang="en-SE"/>
+          </a:p>
+        </p:txBody>
+      </p:sp>
+    </p:spTree>
+    <p:extLst>
+      <p:ext uri="{BB962C8B-B14F-4D97-AF65-F5344CB8AC3E}">
+        <p14:creationId xmlns:p14="http://schemas.microsoft.com/office/powerpoint/2010/main" val="2006852298"/>
       </p:ext>
     </p:extLst>
   </p:cSld>
@@ -4750,10 +5387,16 @@
           <a:lstStyle/>
           <a:p>
             <a:r>
-              <a:rPr lang="en-US" dirty="0"/>
+              <a:rPr lang="en-US" dirty="0">
+                <a:latin typeface="Arabic Typesetting" panose="020B0604020202020204" pitchFamily="66" charset="-78"/>
+                <a:cs typeface="Arabic Typesetting" panose="020B0604020202020204" pitchFamily="66" charset="-78"/>
+              </a:rPr>
               <a:t>Breast Cancer</a:t>
             </a:r>
-            <a:endParaRPr lang="en-SE" dirty="0"/>
+            <a:endParaRPr lang="en-SE" dirty="0">
+              <a:latin typeface="Arabic Typesetting" panose="020B0604020202020204" pitchFamily="66" charset="-78"/>
+              <a:cs typeface="Arabic Typesetting" panose="020B0604020202020204" pitchFamily="66" charset="-78"/>
+            </a:endParaRPr>
           </a:p>
         </p:txBody>
       </p:sp>
@@ -4884,6 +5527,128 @@
     <p:extLst>
       <p:ext uri="{BB962C8B-B14F-4D97-AF65-F5344CB8AC3E}">
         <p14:creationId xmlns:p14="http://schemas.microsoft.com/office/powerpoint/2010/main" val="552907704"/>
+      </p:ext>
+    </p:extLst>
+  </p:cSld>
+  <p:clrMapOvr>
+    <a:masterClrMapping/>
+  </p:clrMapOvr>
+</p:sld>
+</file>
+
+<file path=ppt/slides/slide20.xml><?xml version="1.0" encoding="utf-8"?>
+<p:sld xmlns:a="http://schemas.openxmlformats.org/drawingml/2006/main" xmlns:r="http://schemas.openxmlformats.org/officeDocument/2006/relationships" xmlns:p="http://schemas.openxmlformats.org/presentationml/2006/main">
+  <p:cSld>
+    <p:spTree>
+      <p:nvGrpSpPr>
+        <p:cNvPr id="1" name=""/>
+        <p:cNvGrpSpPr/>
+        <p:nvPr/>
+      </p:nvGrpSpPr>
+      <p:grpSpPr>
+        <a:xfrm>
+          <a:off x="0" y="0"/>
+          <a:ext cx="0" cy="0"/>
+          <a:chOff x="0" y="0"/>
+          <a:chExt cx="0" cy="0"/>
+        </a:xfrm>
+      </p:grpSpPr>
+      <p:sp>
+        <p:nvSpPr>
+          <p:cNvPr id="2" name="Title 1">
+            <a:extLst>
+              <a:ext uri="{FF2B5EF4-FFF2-40B4-BE49-F238E27FC236}">
+                <a16:creationId xmlns:a16="http://schemas.microsoft.com/office/drawing/2014/main" id="{DD50DFBA-FE3E-A797-D6D9-E1C196AC7FAE}"/>
+              </a:ext>
+            </a:extLst>
+          </p:cNvPr>
+          <p:cNvSpPr>
+            <a:spLocks noGrp="1"/>
+          </p:cNvSpPr>
+          <p:nvPr>
+            <p:ph type="title"/>
+          </p:nvPr>
+        </p:nvSpPr>
+        <p:spPr/>
+        <p:txBody>
+          <a:bodyPr/>
+          <a:lstStyle/>
+          <a:p>
+            <a:r>
+              <a:rPr lang="en-US" dirty="0"/>
+              <a:t>Results </a:t>
+            </a:r>
+            <a:endParaRPr lang="en-SE" dirty="0"/>
+          </a:p>
+        </p:txBody>
+      </p:sp>
+      <p:sp>
+        <p:nvSpPr>
+          <p:cNvPr id="3" name="Content Placeholder 2">
+            <a:extLst>
+              <a:ext uri="{FF2B5EF4-FFF2-40B4-BE49-F238E27FC236}">
+                <a16:creationId xmlns:a16="http://schemas.microsoft.com/office/drawing/2014/main" id="{30F37D2A-CFF3-2471-8884-C2FD3F6895E0}"/>
+              </a:ext>
+            </a:extLst>
+          </p:cNvPr>
+          <p:cNvSpPr>
+            <a:spLocks noGrp="1"/>
+          </p:cNvSpPr>
+          <p:nvPr>
+            <p:ph idx="1"/>
+          </p:nvPr>
+        </p:nvSpPr>
+        <p:spPr/>
+        <p:txBody>
+          <a:bodyPr/>
+          <a:lstStyle/>
+          <a:p>
+            <a:r>
+              <a:rPr lang="en-US" dirty="0"/>
+              <a:t>Yumi Prototype not exactly calibrated</a:t>
+            </a:r>
+          </a:p>
+          <a:p>
+            <a:endParaRPr lang="en-US" dirty="0"/>
+          </a:p>
+          <a:p>
+            <a:endParaRPr lang="en-SE" dirty="0"/>
+          </a:p>
+        </p:txBody>
+      </p:sp>
+      <p:sp>
+        <p:nvSpPr>
+          <p:cNvPr id="4" name="Slide Number Placeholder 3">
+            <a:extLst>
+              <a:ext uri="{FF2B5EF4-FFF2-40B4-BE49-F238E27FC236}">
+                <a16:creationId xmlns:a16="http://schemas.microsoft.com/office/drawing/2014/main" id="{AAB9A715-CBE0-8FBF-3485-48A9C3A52A22}"/>
+              </a:ext>
+            </a:extLst>
+          </p:cNvPr>
+          <p:cNvSpPr>
+            <a:spLocks noGrp="1"/>
+          </p:cNvSpPr>
+          <p:nvPr>
+            <p:ph type="sldNum" sz="quarter" idx="12"/>
+          </p:nvPr>
+        </p:nvSpPr>
+        <p:spPr/>
+        <p:txBody>
+          <a:bodyPr/>
+          <a:lstStyle/>
+          <a:p>
+            <a:fld id="{14EA45DC-CC6D-4F3F-A5B2-A9A95BBB136F}" type="slidenum">
+              <a:rPr lang="en-SE" smtClean="0"/>
+              <a:t>20</a:t>
+            </a:fld>
+            <a:endParaRPr lang="en-SE"/>
+          </a:p>
+        </p:txBody>
+      </p:sp>
+    </p:spTree>
+    <p:extLst>
+      <p:ext uri="{BB962C8B-B14F-4D97-AF65-F5344CB8AC3E}">
+        <p14:creationId xmlns:p14="http://schemas.microsoft.com/office/powerpoint/2010/main" val="2611791180"/>
       </p:ext>
     </p:extLst>
   </p:cSld>
@@ -5903,11 +6668,17 @@
             <p:ph type="title"/>
           </p:nvPr>
         </p:nvSpPr>
-        <p:spPr/>
-        <p:txBody>
-          <a:bodyPr/>
-          <a:lstStyle/>
-          <a:p>
+        <p:spPr>
+          <a:xfrm>
+            <a:off x="839788" y="987425"/>
+            <a:ext cx="3932237" cy="621920"/>
+          </a:xfrm>
+        </p:spPr>
+        <p:txBody>
+          <a:bodyPr/>
+          <a:lstStyle/>
+          <a:p>
+            <a:pPr algn="ctr"/>
             <a:r>
               <a:rPr lang="en-US" dirty="0"/>
               <a:t>The system overview </a:t>
@@ -5929,10 +6700,10 @@
             <a:picLocks noGrp="1" noChangeAspect="1"/>
           </p:cNvPicPr>
           <p:nvPr>
-            <p:ph idx="1"/>
+            <p:ph type="pic" idx="1"/>
           </p:nvPr>
         </p:nvPicPr>
-        <p:blipFill>
+        <p:blipFill rotWithShape="1">
           <a:blip r:embed="rId2">
             <a:extLst>
               <a:ext uri="{28A0092B-C50C-407E-A947-70E740481C1C}">
@@ -5940,17 +6711,66 @@
               </a:ext>
             </a:extLst>
           </a:blip>
-          <a:stretch>
-            <a:fillRect/>
-          </a:stretch>
+          <a:srcRect l="836" r="836"/>
+          <a:stretch/>
         </p:blipFill>
-        <p:spPr>
-          <a:xfrm>
-            <a:off x="3305337" y="1487489"/>
-            <a:ext cx="5730135" cy="4448950"/>
-          </a:xfrm>
-        </p:spPr>
+        <p:spPr/>
       </p:pic>
+      <p:sp>
+        <p:nvSpPr>
+          <p:cNvPr id="3" name="Text Placeholder 2">
+            <a:extLst>
+              <a:ext uri="{FF2B5EF4-FFF2-40B4-BE49-F238E27FC236}">
+                <a16:creationId xmlns:a16="http://schemas.microsoft.com/office/drawing/2014/main" id="{77E353AE-B57D-3C76-06F5-53674D6C65A3}"/>
+              </a:ext>
+            </a:extLst>
+          </p:cNvPr>
+          <p:cNvSpPr>
+            <a:spLocks noGrp="1"/>
+          </p:cNvSpPr>
+          <p:nvPr>
+            <p:ph type="body" sz="half" idx="2"/>
+          </p:nvPr>
+        </p:nvSpPr>
+        <p:spPr/>
+        <p:txBody>
+          <a:bodyPr/>
+          <a:lstStyle/>
+          <a:p>
+            <a:pPr marL="285750" indent="-285750">
+              <a:buFont typeface="Arial" panose="020B0604020202020204" pitchFamily="34" charset="0"/>
+              <a:buChar char="•"/>
+            </a:pPr>
+            <a:r>
+              <a:rPr lang="en-US" dirty="0"/>
+              <a:t>The Breast is scanned using a laser sensor to create a point cloud from the breast surface. </a:t>
+            </a:r>
+          </a:p>
+          <a:p>
+            <a:pPr marL="285750" indent="-285750">
+              <a:buFont typeface="Arial" panose="020B0604020202020204" pitchFamily="34" charset="0"/>
+              <a:buChar char="•"/>
+            </a:pPr>
+            <a:r>
+              <a:rPr lang="en-US" dirty="0"/>
+              <a:t>Using a surface reconstruction algorithm, we can reconstruct a mesh surface from the point cloud. </a:t>
+            </a:r>
+          </a:p>
+          <a:p>
+            <a:pPr marL="285750" indent="-285750">
+              <a:buFont typeface="Arial" panose="020B0604020202020204" pitchFamily="34" charset="0"/>
+              <a:buChar char="•"/>
+            </a:pPr>
+            <a:r>
+              <a:rPr lang="en-US" dirty="0"/>
+              <a:t>Using the GUI the user can choose a scanning point or scanning area with a specified number of points in the Area. </a:t>
+            </a:r>
+          </a:p>
+          <a:p>
+            <a:endParaRPr lang="en-SE" dirty="0"/>
+          </a:p>
+        </p:txBody>
+      </p:sp>
       <p:sp>
         <p:nvSpPr>
           <p:cNvPr id="4" name="Slide Number Placeholder 3">

--- a/Precise Positioning and Scanning for Microwave Imaging.pptx
+++ b/Precise Positioning and Scanning for Microwave Imaging.pptx
@@ -259,7 +259,7 @@
           <a:p>
             <a:fld id="{8998DC2E-BBE8-4220-8AF4-7CD51DC9547B}" type="datetimeFigureOut">
               <a:rPr lang="en-SE" smtClean="0"/>
-              <a:t>2022-12-07</a:t>
+              <a:t>12/08/2022</a:t>
             </a:fld>
             <a:endParaRPr lang="en-SE"/>
           </a:p>
@@ -437,7 +437,7 @@
           <a:p>
             <a:fld id="{77A1B909-AD3C-48D9-911C-1AAE0D92A42D}" type="datetimeFigureOut">
               <a:rPr lang="en-SE" smtClean="0"/>
-              <a:t>2022-12-07</a:t>
+              <a:t>12/08/2022</a:t>
             </a:fld>
             <a:endParaRPr lang="en-SE"/>
           </a:p>
@@ -855,7 +855,7 @@
           <a:p>
             <a:fld id="{5785ABCD-7C7B-4099-9731-0EDC268D96DE}" type="datetime8">
               <a:rPr lang="en-SE" smtClean="0"/>
-              <a:t>2022-12-07 13:46</a:t>
+              <a:t>12/08/2022 05:59</a:t>
             </a:fld>
             <a:endParaRPr lang="en-SE"/>
           </a:p>
@@ -1055,7 +1055,7 @@
           <a:p>
             <a:fld id="{53296F4E-E5DF-42B1-B8D9-2ABB22EC772C}" type="datetime8">
               <a:rPr lang="en-SE" smtClean="0"/>
-              <a:t>2022-12-07 13:46</a:t>
+              <a:t>12/08/2022 05:59</a:t>
             </a:fld>
             <a:endParaRPr lang="en-SE"/>
           </a:p>
@@ -1265,7 +1265,7 @@
           <a:p>
             <a:fld id="{C5874F66-CA25-47B2-9FC6-2BD39CC5F49A}" type="datetime8">
               <a:rPr lang="en-SE" smtClean="0"/>
-              <a:t>2022-12-07 13:46</a:t>
+              <a:t>12/08/2022 05:59</a:t>
             </a:fld>
             <a:endParaRPr lang="en-SE"/>
           </a:p>
@@ -1465,7 +1465,7 @@
           <a:p>
             <a:fld id="{EB5CF308-B19A-4331-A324-D479807E6DD4}" type="datetime8">
               <a:rPr lang="en-SE" smtClean="0"/>
-              <a:t>2022-12-07 13:46</a:t>
+              <a:t>12/08/2022 05:59</a:t>
             </a:fld>
             <a:endParaRPr lang="en-SE"/>
           </a:p>
@@ -1741,7 +1741,7 @@
           <a:p>
             <a:fld id="{06B0D6B3-DCD6-4A29-9991-0B0BADAC9DB5}" type="datetime8">
               <a:rPr lang="en-SE" smtClean="0"/>
-              <a:t>2022-12-07 13:46</a:t>
+              <a:t>12/08/2022 05:59</a:t>
             </a:fld>
             <a:endParaRPr lang="en-SE"/>
           </a:p>
@@ -2009,7 +2009,7 @@
           <a:p>
             <a:fld id="{CFEF5C23-B410-4BC4-92D6-C274BA31775A}" type="datetime8">
               <a:rPr lang="en-SE" smtClean="0"/>
-              <a:t>2022-12-07 13:46</a:t>
+              <a:t>12/08/2022 05:59</a:t>
             </a:fld>
             <a:endParaRPr lang="en-SE"/>
           </a:p>
@@ -2424,7 +2424,7 @@
           <a:p>
             <a:fld id="{B73C25E7-90CF-4631-9F8D-D8B9FDF980FA}" type="datetime8">
               <a:rPr lang="en-SE" smtClean="0"/>
-              <a:t>2022-12-07 13:46</a:t>
+              <a:t>12/08/2022 05:59</a:t>
             </a:fld>
             <a:endParaRPr lang="en-SE"/>
           </a:p>
@@ -2566,7 +2566,7 @@
           <a:p>
             <a:fld id="{CE8B7CBA-0EA8-4339-80D9-9348F7953AB3}" type="datetime8">
               <a:rPr lang="en-SE" smtClean="0"/>
-              <a:t>2022-12-07 13:46</a:t>
+              <a:t>12/08/2022 05:59</a:t>
             </a:fld>
             <a:endParaRPr lang="en-SE"/>
           </a:p>
@@ -2679,7 +2679,7 @@
           <a:p>
             <a:fld id="{DCED875E-B8F6-4B73-A075-12358B7B8F6F}" type="datetime8">
               <a:rPr lang="en-SE" smtClean="0"/>
-              <a:t>2022-12-07 13:46</a:t>
+              <a:t>12/08/2022 05:59</a:t>
             </a:fld>
             <a:endParaRPr lang="en-SE"/>
           </a:p>
@@ -2992,7 +2992,7 @@
           <a:p>
             <a:fld id="{32326FA4-D1D0-4C66-8A72-2405DCF288E2}" type="datetime8">
               <a:rPr lang="en-SE" smtClean="0"/>
-              <a:t>2022-12-07 13:46</a:t>
+              <a:t>12/08/2022 05:59</a:t>
             </a:fld>
             <a:endParaRPr lang="en-SE"/>
           </a:p>
@@ -3281,7 +3281,7 @@
           <a:p>
             <a:fld id="{294F4506-AC4C-4F33-BA91-8C62A291096C}" type="datetime8">
               <a:rPr lang="en-SE" smtClean="0"/>
-              <a:t>2022-12-07 13:46</a:t>
+              <a:t>12/08/2022 05:59</a:t>
             </a:fld>
             <a:endParaRPr lang="en-SE"/>
           </a:p>
@@ -3524,7 +3524,7 @@
           <a:p>
             <a:fld id="{9384FAA5-DECA-4FE9-9E6E-C89DA36DE384}" type="datetime8">
               <a:rPr lang="en-SE" smtClean="0"/>
-              <a:t>2022-12-07 13:46</a:t>
+              <a:t>12/08/2022 05:59</a:t>
             </a:fld>
             <a:endParaRPr lang="en-SE"/>
           </a:p>
@@ -5242,7 +5242,7 @@
           <a:p>
             <a:r>
               <a:rPr lang="en-US" dirty="0"/>
-              <a:t>Results </a:t>
+              <a:t>Evaluation </a:t>
             </a:r>
             <a:endParaRPr lang="en-SE" dirty="0"/>
           </a:p>
@@ -5266,7 +5266,9 @@
         </p:nvSpPr>
         <p:spPr/>
         <p:txBody>
-          <a:bodyPr/>
+          <a:bodyPr>
+            <a:normAutofit fontScale="92500" lnSpcReduction="20000"/>
+          </a:bodyPr>
           <a:lstStyle/>
           <a:p>
             <a:r>
@@ -5287,15 +5289,64 @@
             </a:r>
           </a:p>
           <a:p>
+            <a:pPr lvl="1"/>
+            <a:r>
+              <a:rPr lang="en-US" dirty="0"/>
+              <a:t>Yumi Prototype not exactly calibrated</a:t>
+            </a:r>
+          </a:p>
+          <a:p>
             <a:r>
               <a:rPr lang="en-US" dirty="0"/>
               <a:t>Scanning protocol </a:t>
             </a:r>
           </a:p>
           <a:p>
-            <a:r>
-              <a:rPr lang="en-US" dirty="0"/>
-              <a:t>Surface Reconstruction </a:t>
+            <a:pPr lvl="1"/>
+            <a:r>
+              <a:rPr lang="en-US" dirty="0"/>
+              <a:t>0 laser angle 20 spline 18deg , (time)</a:t>
+            </a:r>
+          </a:p>
+          <a:p>
+            <a:pPr lvl="1"/>
+            <a:r>
+              <a:rPr lang="en-US" dirty="0"/>
+              <a:t>10 laser angle 20 spline 18 deg , (time)</a:t>
+            </a:r>
+          </a:p>
+          <a:p>
+            <a:pPr lvl="1"/>
+            <a:r>
+              <a:rPr lang="en-US" dirty="0"/>
+              <a:t>0 laser angle 4 spline 90 deg ( time)</a:t>
+            </a:r>
+          </a:p>
+          <a:p>
+            <a:pPr lvl="1"/>
+            <a:r>
+              <a:rPr lang="en-US" dirty="0"/>
+              <a:t>10 laser angle 4 spline 90 deg (time)</a:t>
+            </a:r>
+          </a:p>
+          <a:p>
+            <a:pPr lvl="1"/>
+            <a:r>
+              <a:rPr lang="en-US" dirty="0"/>
+              <a:t>Second approach </a:t>
+            </a:r>
+          </a:p>
+          <a:p>
+            <a:r>
+              <a:rPr lang="en-US" dirty="0"/>
+              <a:t>Surface Reconstruction</a:t>
+            </a:r>
+          </a:p>
+          <a:p>
+            <a:pPr lvl="1"/>
+            <a:r>
+              <a:rPr lang="en-US" dirty="0"/>
+              <a:t>Different protocol plot ( time) </a:t>
             </a:r>
           </a:p>
           <a:p>
